--- a/Artefatos/MABLE - TCC - Faculdade Impacta.pptx
+++ b/Artefatos/MABLE - TCC - Faculdade Impacta.pptx
@@ -5,28 +5,29 @@
     <p:sldMasterId id="2147483659" r:id="rId1"/>
   </p:sldMasterIdLst>
   <p:notesMasterIdLst>
-    <p:notesMasterId r:id="rId21"/>
+    <p:notesMasterId r:id="rId22"/>
   </p:notesMasterIdLst>
   <p:sldIdLst>
     <p:sldId id="256" r:id="rId2"/>
-    <p:sldId id="257" r:id="rId3"/>
-    <p:sldId id="270" r:id="rId4"/>
-    <p:sldId id="258" r:id="rId5"/>
-    <p:sldId id="259" r:id="rId6"/>
-    <p:sldId id="260" r:id="rId7"/>
-    <p:sldId id="273" r:id="rId8"/>
-    <p:sldId id="278" r:id="rId9"/>
-    <p:sldId id="279" r:id="rId10"/>
-    <p:sldId id="280" r:id="rId11"/>
-    <p:sldId id="281" r:id="rId12"/>
-    <p:sldId id="282" r:id="rId13"/>
-    <p:sldId id="283" r:id="rId14"/>
-    <p:sldId id="284" r:id="rId15"/>
-    <p:sldId id="261" r:id="rId16"/>
-    <p:sldId id="265" r:id="rId17"/>
-    <p:sldId id="266" r:id="rId18"/>
-    <p:sldId id="271" r:id="rId19"/>
-    <p:sldId id="268" r:id="rId20"/>
+    <p:sldId id="285" r:id="rId3"/>
+    <p:sldId id="257" r:id="rId4"/>
+    <p:sldId id="270" r:id="rId5"/>
+    <p:sldId id="258" r:id="rId6"/>
+    <p:sldId id="259" r:id="rId7"/>
+    <p:sldId id="260" r:id="rId8"/>
+    <p:sldId id="273" r:id="rId9"/>
+    <p:sldId id="278" r:id="rId10"/>
+    <p:sldId id="279" r:id="rId11"/>
+    <p:sldId id="280" r:id="rId12"/>
+    <p:sldId id="281" r:id="rId13"/>
+    <p:sldId id="282" r:id="rId14"/>
+    <p:sldId id="283" r:id="rId15"/>
+    <p:sldId id="284" r:id="rId16"/>
+    <p:sldId id="261" r:id="rId17"/>
+    <p:sldId id="265" r:id="rId18"/>
+    <p:sldId id="266" r:id="rId19"/>
+    <p:sldId id="271" r:id="rId20"/>
+    <p:sldId id="268" r:id="rId21"/>
   </p:sldIdLst>
   <p:sldSz cx="9144000" cy="6858000" type="screen4x3"/>
   <p:notesSz cx="6858000" cy="9144000"/>
@@ -261,7 +262,7 @@
   </p:defaultTextStyle>
   <p:extLst>
     <p:ext uri="{EFAFB233-063F-42B5-8137-9DF3F51BA10A}">
-      <p15:sldGuideLst xmlns:p15="http://schemas.microsoft.com/office/powerpoint/2012/main" xmlns:p14="http://schemas.microsoft.com/office/powerpoint/2010/main" xmlns:com="http://schemas.openxmlformats.org/drawingml/2006/compatibility" xmlns:pvml="urn:schemas-microsoft-com:office:powerpoint" xmlns:v="urn:schemas-microsoft-com:vml" xmlns:o="urn:schemas-microsoft-com:office:office" xmlns:dgm="http://schemas.openxmlformats.org/drawingml/2006/diagram" xmlns:c="http://schemas.openxmlformats.org/drawingml/2006/chart" xmlns:mv="urn:schemas-microsoft-com:mac:vml" xmlns:mc="http://schemas.openxmlformats.org/markup-compatibility/2006" xmlns="">
+      <p15:sldGuideLst xmlns="" xmlns:mc="http://schemas.openxmlformats.org/markup-compatibility/2006" xmlns:mv="urn:schemas-microsoft-com:mac:vml" xmlns:c="http://schemas.openxmlformats.org/drawingml/2006/chart" xmlns:dgm="http://schemas.openxmlformats.org/drawingml/2006/diagram" xmlns:o="urn:schemas-microsoft-com:office:office" xmlns:v="urn:schemas-microsoft-com:vml" xmlns:pvml="urn:schemas-microsoft-com:office:powerpoint" xmlns:com="http://schemas.openxmlformats.org/drawingml/2006/compatibility" xmlns:p14="http://schemas.microsoft.com/office/powerpoint/2010/main" xmlns:p15="http://schemas.microsoft.com/office/powerpoint/2012/main">
         <p15:guide id="1" orient="horz" pos="2160">
           <p15:clr>
             <a:srgbClr val="A4A3A4"/>
@@ -1751,7 +1752,7 @@
                 </a:spcAft>
                 <a:buNone/>
               </a:pPr>
-              <a:t>19</a:t>
+              <a:t>20</a:t>
             </a:fld>
             <a:endParaRPr sz="1200">
               <a:solidFill>
@@ -4779,7 +4780,7 @@
     </p:spTree>
     <p:extLst>
       <p:ext uri="{BB962C8B-B14F-4D97-AF65-F5344CB8AC3E}">
-        <p14:creationId xmlns:p14="http://schemas.microsoft.com/office/powerpoint/2010/main" xmlns="" val="2851965204"/>
+        <p14:creationId xmlns="" xmlns:p14="http://schemas.microsoft.com/office/powerpoint/2010/main" val="2851965204"/>
       </p:ext>
     </p:extLst>
   </p:cSld>
@@ -15449,6 +15450,201 @@
           <a:chExt cx="0" cy="0"/>
         </a:xfrm>
       </p:grpSpPr>
+      <p:sp>
+        <p:nvSpPr>
+          <p:cNvPr id="14" name="CaixaDeTexto 13">
+            <a:extLst>
+              <a:ext uri="{FF2B5EF4-FFF2-40B4-BE49-F238E27FC236}">
+                <a16:creationId xmlns:a16="http://schemas.microsoft.com/office/drawing/2014/main" xmlns="" id="{C9DD5F3B-5B33-8B41-8D7F-9A81E3CF6003}"/>
+              </a:ext>
+            </a:extLst>
+          </p:cNvPr>
+          <p:cNvSpPr txBox="1"/>
+          <p:nvPr/>
+        </p:nvSpPr>
+        <p:spPr>
+          <a:xfrm>
+            <a:off x="347445" y="980728"/>
+            <a:ext cx="8488726" cy="4647426"/>
+          </a:xfrm>
+          <a:prstGeom prst="rect">
+            <a:avLst/>
+          </a:prstGeom>
+          <a:noFill/>
+        </p:spPr>
+        <p:txBody>
+          <a:bodyPr wrap="square" rtlCol="0">
+            <a:spAutoFit/>
+          </a:bodyPr>
+          <a:lstStyle/>
+          <a:p>
+            <a:pPr algn="l"/>
+            <a:r>
+              <a:rPr lang="pt-BR" sz="2400" b="1" dirty="0" smtClean="0">
+                <a:latin typeface="Arial" panose="020B0604020202020204" pitchFamily="34" charset="0"/>
+                <a:cs typeface="Arial" panose="020B0604020202020204" pitchFamily="34" charset="0"/>
+              </a:rPr>
+              <a:t>Estudo de Viabilidade</a:t>
+            </a:r>
+          </a:p>
+          <a:p>
+            <a:pPr algn="l"/>
+            <a:endParaRPr lang="pt-BR" sz="2400" b="1" dirty="0" smtClean="0">
+              <a:latin typeface="Arial" panose="020B0604020202020204" pitchFamily="34" charset="0"/>
+              <a:cs typeface="Arial" panose="020B0604020202020204" pitchFamily="34" charset="0"/>
+            </a:endParaRPr>
+          </a:p>
+          <a:p>
+            <a:pPr algn="l"/>
+            <a:endParaRPr lang="pt-BR" sz="2400" b="1" dirty="0" smtClean="0">
+              <a:latin typeface="Arial" panose="020B0604020202020204" pitchFamily="34" charset="0"/>
+              <a:cs typeface="Arial" panose="020B0604020202020204" pitchFamily="34" charset="0"/>
+            </a:endParaRPr>
+          </a:p>
+          <a:p>
+            <a:pPr lvl="0" eaLnBrk="0" fontAlgn="base" hangingPunct="0">
+              <a:spcBef>
+                <a:spcPct val="0"/>
+              </a:spcBef>
+              <a:spcAft>
+                <a:spcPct val="0"/>
+              </a:spcAft>
+            </a:pPr>
+            <a:r>
+              <a:rPr lang="pt-BR" altLang="pt-BR" sz="2000" b="1" dirty="0" err="1" smtClean="0">
+                <a:solidFill>
+                  <a:srgbClr val="252525"/>
+                </a:solidFill>
+                <a:latin typeface="Calibri" panose="020F0502020204030204" pitchFamily="34" charset="0"/>
+                <a:ea typeface="Times New Roman" panose="02020603050405020304" pitchFamily="18" charset="0"/>
+                <a:cs typeface="Calibri" panose="020F0502020204030204" pitchFamily="34" charset="0"/>
+              </a:rPr>
+              <a:t>Payback</a:t>
+            </a:r>
+            <a:r>
+              <a:rPr lang="pt-BR" altLang="pt-BR" sz="2000" dirty="0" smtClean="0">
+                <a:solidFill>
+                  <a:srgbClr val="252525"/>
+                </a:solidFill>
+                <a:latin typeface="Calibri" panose="020F0502020204030204" pitchFamily="34" charset="0"/>
+                <a:ea typeface="Times New Roman" panose="02020603050405020304" pitchFamily="18" charset="0"/>
+                <a:cs typeface="Calibri" panose="020F0502020204030204" pitchFamily="34" charset="0"/>
+              </a:rPr>
+              <a:t>:</a:t>
+            </a:r>
+          </a:p>
+          <a:p>
+            <a:pPr lvl="0" eaLnBrk="0" fontAlgn="base" hangingPunct="0">
+              <a:spcBef>
+                <a:spcPct val="0"/>
+              </a:spcBef>
+              <a:spcAft>
+                <a:spcPct val="0"/>
+              </a:spcAft>
+            </a:pPr>
+            <a:endParaRPr lang="pt-BR" altLang="pt-BR" sz="2000" dirty="0" smtClean="0">
+              <a:solidFill>
+                <a:srgbClr val="252525"/>
+              </a:solidFill>
+              <a:latin typeface="Calibri" panose="020F0502020204030204" pitchFamily="34" charset="0"/>
+              <a:ea typeface="Times New Roman" panose="02020603050405020304" pitchFamily="18" charset="0"/>
+              <a:cs typeface="Calibri" panose="020F0502020204030204" pitchFamily="34" charset="0"/>
+            </a:endParaRPr>
+          </a:p>
+          <a:p>
+            <a:pPr lvl="0" eaLnBrk="0" fontAlgn="base" hangingPunct="0">
+              <a:spcBef>
+                <a:spcPct val="0"/>
+              </a:spcBef>
+              <a:spcAft>
+                <a:spcPct val="0"/>
+              </a:spcAft>
+            </a:pPr>
+            <a:r>
+              <a:rPr lang="pt-BR" sz="2000" dirty="0" smtClean="0"/>
+              <a:t>Investimento Inicial: R$ 390.640,00</a:t>
+            </a:r>
+          </a:p>
+          <a:p>
+            <a:pPr lvl="0" eaLnBrk="0" fontAlgn="base" hangingPunct="0">
+              <a:spcBef>
+                <a:spcPct val="0"/>
+              </a:spcBef>
+              <a:spcAft>
+                <a:spcPct val="0"/>
+              </a:spcAft>
+            </a:pPr>
+            <a:endParaRPr lang="pt-BR" sz="2000" dirty="0" smtClean="0"/>
+          </a:p>
+          <a:p>
+            <a:pPr lvl="0" eaLnBrk="0" fontAlgn="base" hangingPunct="0">
+              <a:spcBef>
+                <a:spcPct val="0"/>
+              </a:spcBef>
+              <a:spcAft>
+                <a:spcPct val="0"/>
+              </a:spcAft>
+            </a:pPr>
+            <a:r>
+              <a:rPr lang="pt-BR" sz="2000" dirty="0" smtClean="0"/>
+              <a:t>Entrada de caixa = R$10.000 ao mês = R$120.000/ingresso anual total </a:t>
+            </a:r>
+          </a:p>
+          <a:p>
+            <a:pPr lvl="0" eaLnBrk="0" fontAlgn="base" hangingPunct="0">
+              <a:spcBef>
+                <a:spcPct val="0"/>
+              </a:spcBef>
+              <a:spcAft>
+                <a:spcPct val="0"/>
+              </a:spcAft>
+            </a:pPr>
+            <a:endParaRPr lang="pt-BR" sz="2000" dirty="0" smtClean="0"/>
+          </a:p>
+          <a:p>
+            <a:pPr lvl="0" eaLnBrk="0" fontAlgn="base" hangingPunct="0">
+              <a:spcBef>
+                <a:spcPct val="0"/>
+              </a:spcBef>
+              <a:spcAft>
+                <a:spcPct val="0"/>
+              </a:spcAft>
+            </a:pPr>
+            <a:r>
+              <a:rPr lang="pt-BR" sz="2000" dirty="0" smtClean="0"/>
+              <a:t>O retorno do investimento é obtido em </a:t>
+            </a:r>
+            <a:r>
+              <a:rPr lang="pt-BR" sz="2000" b="1" dirty="0" smtClean="0"/>
+              <a:t>3 anos</a:t>
+            </a:r>
+            <a:r>
+              <a:rPr lang="pt-BR" sz="2000" dirty="0" smtClean="0"/>
+              <a:t> e </a:t>
+            </a:r>
+            <a:r>
+              <a:rPr lang="pt-BR" sz="2000" b="1" dirty="0" smtClean="0"/>
+              <a:t>4 meses</a:t>
+            </a:r>
+            <a:r>
+              <a:rPr lang="pt-BR" sz="2000" dirty="0" smtClean="0"/>
+              <a:t>.</a:t>
+            </a:r>
+            <a:endParaRPr lang="pt-BR" altLang="pt-BR" sz="2000" dirty="0">
+              <a:ea typeface="Times New Roman" panose="02020603050405020304" pitchFamily="18" charset="0"/>
+            </a:endParaRPr>
+          </a:p>
+          <a:p>
+            <a:endParaRPr lang="pt-BR" sz="2800" dirty="0" smtClean="0"/>
+          </a:p>
+          <a:p>
+            <a:endParaRPr lang="pt-BR" sz="2800" dirty="0" smtClean="0"/>
+          </a:p>
+          <a:p>
+            <a:endParaRPr lang="pt-BR" sz="2800" dirty="0"/>
+          </a:p>
+        </p:txBody>
+      </p:sp>
       <p:pic>
         <p:nvPicPr>
           <p:cNvPr id="8" name="Imagem 7"/>
@@ -15461,7 +15657,7 @@
           <a:blip r:embed="rId2" cstate="print">
             <a:extLst>
               <a:ext uri="{28A0092B-C50C-407E-A947-70E740481C1C}">
-                <a14:useLocalDpi xmlns:a14="http://schemas.microsoft.com/office/drawing/2010/main" xmlns="" val="0"/>
+                <a14:useLocalDpi xmlns="" xmlns:a14="http://schemas.microsoft.com/office/drawing/2010/main" val="0"/>
               </a:ext>
             </a:extLst>
           </a:blip>
@@ -15522,7 +15718,138 @@
             <a:lum bright="70000" contrast="-70000"/>
             <a:extLst>
               <a:ext uri="{28A0092B-C50C-407E-A947-70E740481C1C}">
-                <a14:useLocalDpi xmlns:a14="http://schemas.microsoft.com/office/drawing/2010/main" xmlns="" val="0"/>
+                <a14:useLocalDpi xmlns="" xmlns:a14="http://schemas.microsoft.com/office/drawing/2010/main" val="0"/>
+              </a:ext>
+            </a:extLst>
+          </a:blip>
+          <a:stretch>
+            <a:fillRect/>
+          </a:stretch>
+        </p:blipFill>
+        <p:spPr>
+          <a:xfrm>
+            <a:off x="6883847" y="5229200"/>
+            <a:ext cx="2233500" cy="1595162"/>
+          </a:xfrm>
+          <a:prstGeom prst="rect">
+            <a:avLst/>
+          </a:prstGeom>
+        </p:spPr>
+      </p:pic>
+    </p:spTree>
+    <p:extLst>
+      <p:ext uri="{BB962C8B-B14F-4D97-AF65-F5344CB8AC3E}">
+        <p14:creationId xmlns="" xmlns:p14="http://schemas.microsoft.com/office/powerpoint/2010/main" val="3527767331"/>
+      </p:ext>
+    </p:extLst>
+  </p:cSld>
+  <p:clrMapOvr>
+    <a:masterClrMapping/>
+  </p:clrMapOvr>
+  <p:transition spd="slow">
+    <p:fade thruBlk="1"/>
+  </p:transition>
+  <p:timing>
+    <p:tnLst>
+      <p:par>
+        <p:cTn id="1" dur="indefinite" restart="never" nodeType="tmRoot"/>
+      </p:par>
+    </p:tnLst>
+  </p:timing>
+</p:sld>
+</file>
+
+<file path=ppt/slides/slide11.xml><?xml version="1.0" encoding="utf-8"?>
+<p:sld xmlns:a="http://schemas.openxmlformats.org/drawingml/2006/main" xmlns:r="http://schemas.openxmlformats.org/officeDocument/2006/relationships" xmlns:p="http://schemas.openxmlformats.org/presentationml/2006/main">
+  <p:cSld>
+    <p:spTree>
+      <p:nvGrpSpPr>
+        <p:cNvPr id="1" name=""/>
+        <p:cNvGrpSpPr/>
+        <p:nvPr/>
+      </p:nvGrpSpPr>
+      <p:grpSpPr>
+        <a:xfrm>
+          <a:off x="0" y="0"/>
+          <a:ext cx="0" cy="0"/>
+          <a:chOff x="0" y="0"/>
+          <a:chExt cx="0" cy="0"/>
+        </a:xfrm>
+      </p:grpSpPr>
+      <p:pic>
+        <p:nvPicPr>
+          <p:cNvPr id="8" name="Imagem 7"/>
+          <p:cNvPicPr>
+            <a:picLocks noChangeAspect="1"/>
+          </p:cNvPicPr>
+          <p:nvPr/>
+        </p:nvPicPr>
+        <p:blipFill>
+          <a:blip r:embed="rId2" cstate="print">
+            <a:extLst>
+              <a:ext uri="{28A0092B-C50C-407E-A947-70E740481C1C}">
+                <a14:useLocalDpi xmlns="" xmlns:a14="http://schemas.microsoft.com/office/drawing/2010/main" val="0"/>
+              </a:ext>
+            </a:extLst>
+          </a:blip>
+          <a:stretch>
+            <a:fillRect/>
+          </a:stretch>
+        </p:blipFill>
+        <p:spPr>
+          <a:xfrm>
+            <a:off x="142845" y="0"/>
+            <a:ext cx="2214578" cy="851761"/>
+          </a:xfrm>
+          <a:prstGeom prst="rect">
+            <a:avLst/>
+          </a:prstGeom>
+        </p:spPr>
+      </p:pic>
+      <p:cxnSp>
+        <p:nvCxnSpPr>
+          <p:cNvPr id="9" name="Conector reto 8"/>
+          <p:cNvCxnSpPr/>
+          <p:nvPr/>
+        </p:nvCxnSpPr>
+        <p:spPr>
+          <a:xfrm>
+            <a:off x="142844" y="829862"/>
+            <a:ext cx="8678768" cy="19380"/>
+          </a:xfrm>
+          <a:prstGeom prst="line">
+            <a:avLst/>
+          </a:prstGeom>
+        </p:spPr>
+        <p:style>
+          <a:lnRef idx="1">
+            <a:schemeClr val="accent1"/>
+          </a:lnRef>
+          <a:fillRef idx="0">
+            <a:schemeClr val="accent1"/>
+          </a:fillRef>
+          <a:effectRef idx="0">
+            <a:schemeClr val="accent1"/>
+          </a:effectRef>
+          <a:fontRef idx="minor">
+            <a:schemeClr val="tx1"/>
+          </a:fontRef>
+        </p:style>
+      </p:cxnSp>
+      <p:pic>
+        <p:nvPicPr>
+          <p:cNvPr id="10" name="Imagem 9"/>
+          <p:cNvPicPr>
+            <a:picLocks noChangeAspect="1"/>
+          </p:cNvPicPr>
+          <p:nvPr/>
+        </p:nvPicPr>
+        <p:blipFill>
+          <a:blip r:embed="rId3">
+            <a:lum bright="70000" contrast="-70000"/>
+            <a:extLst>
+              <a:ext uri="{28A0092B-C50C-407E-A947-70E740481C1C}">
+                <a14:useLocalDpi xmlns="" xmlns:a14="http://schemas.microsoft.com/office/drawing/2010/main" val="0"/>
               </a:ext>
             </a:extLst>
           </a:blip>
@@ -26745,7 +27072,7 @@
     </p:spTree>
     <p:extLst>
       <p:ext uri="{BB962C8B-B14F-4D97-AF65-F5344CB8AC3E}">
-        <p14:creationId xmlns:p14="http://schemas.microsoft.com/office/powerpoint/2010/main" xmlns="" val="3527767331"/>
+        <p14:creationId xmlns="" xmlns:p14="http://schemas.microsoft.com/office/powerpoint/2010/main" val="3527767331"/>
       </p:ext>
     </p:extLst>
   </p:cSld>
@@ -26765,7 +27092,7 @@
 </p:sld>
 </file>
 
-<file path=ppt/slides/slide11.xml><?xml version="1.0" encoding="utf-8"?>
+<file path=ppt/slides/slide12.xml><?xml version="1.0" encoding="utf-8"?>
 <p:sld xmlns:a="http://schemas.openxmlformats.org/drawingml/2006/main" xmlns:r="http://schemas.openxmlformats.org/officeDocument/2006/relationships" xmlns:p="http://schemas.openxmlformats.org/presentationml/2006/main">
   <p:cSld>
     <p:spTree>
@@ -26794,7 +27121,7 @@
           <a:blip r:embed="rId2" cstate="print">
             <a:extLst>
               <a:ext uri="{28A0092B-C50C-407E-A947-70E740481C1C}">
-                <a14:useLocalDpi xmlns:a14="http://schemas.microsoft.com/office/drawing/2010/main" xmlns="" val="0"/>
+                <a14:useLocalDpi xmlns="" xmlns:a14="http://schemas.microsoft.com/office/drawing/2010/main" val="0"/>
               </a:ext>
             </a:extLst>
           </a:blip>
@@ -26847,7 +27174,7 @@
           <p:cNvPr id="8" name="CaixaDeTexto 7">
             <a:extLst>
               <a:ext uri="{FF2B5EF4-FFF2-40B4-BE49-F238E27FC236}">
-                <a16:creationId xmlns="" xmlns:a16="http://schemas.microsoft.com/office/drawing/2014/main" id="{C9DD5F3B-5B33-8B41-8D7F-9A81E3CF6003}"/>
+                <a16:creationId xmlns:a16="http://schemas.microsoft.com/office/drawing/2014/main" xmlns="" id="{C9DD5F3B-5B33-8B41-8D7F-9A81E3CF6003}"/>
               </a:ext>
             </a:extLst>
           </p:cNvPr>
@@ -26953,7 +27280,7 @@
             <a:lum bright="70000" contrast="-70000"/>
             <a:extLst>
               <a:ext uri="{28A0092B-C50C-407E-A947-70E740481C1C}">
-                <a14:useLocalDpi xmlns:a14="http://schemas.microsoft.com/office/drawing/2010/main" xmlns="" val="0"/>
+                <a14:useLocalDpi xmlns="" xmlns:a14="http://schemas.microsoft.com/office/drawing/2010/main" val="0"/>
               </a:ext>
             </a:extLst>
           </a:blip>
@@ -27022,7 +27349,7 @@
 </p:sld>
 </file>
 
-<file path=ppt/slides/slide12.xml><?xml version="1.0" encoding="utf-8"?>
+<file path=ppt/slides/slide13.xml><?xml version="1.0" encoding="utf-8"?>
 <p:sld xmlns:a="http://schemas.openxmlformats.org/drawingml/2006/main" xmlns:r="http://schemas.openxmlformats.org/officeDocument/2006/relationships" xmlns:p="http://schemas.openxmlformats.org/presentationml/2006/main">
   <p:cSld>
     <p:spTree>
@@ -27044,7 +27371,7 @@
           <p:cNvPr id="14" name="CaixaDeTexto 13">
             <a:extLst>
               <a:ext uri="{FF2B5EF4-FFF2-40B4-BE49-F238E27FC236}">
-                <a16:creationId xmlns="" xmlns:a16="http://schemas.microsoft.com/office/drawing/2014/main" id="{C9DD5F3B-5B33-8B41-8D7F-9A81E3CF6003}"/>
+                <a16:creationId xmlns:a16="http://schemas.microsoft.com/office/drawing/2014/main" xmlns="" id="{C9DD5F3B-5B33-8B41-8D7F-9A81E3CF6003}"/>
               </a:ext>
             </a:extLst>
           </p:cNvPr>
@@ -27098,7 +27425,7 @@
           <a:blip r:embed="rId2" cstate="print">
             <a:extLst>
               <a:ext uri="{28A0092B-C50C-407E-A947-70E740481C1C}">
-                <a14:useLocalDpi xmlns:a14="http://schemas.microsoft.com/office/drawing/2010/main" xmlns="" val="0"/>
+                <a14:useLocalDpi xmlns="" xmlns:a14="http://schemas.microsoft.com/office/drawing/2010/main" val="0"/>
               </a:ext>
             </a:extLst>
           </a:blip>
@@ -27159,7 +27486,7 @@
             <a:lum bright="70000" contrast="-70000"/>
             <a:extLst>
               <a:ext uri="{28A0092B-C50C-407E-A947-70E740481C1C}">
-                <a14:useLocalDpi xmlns:a14="http://schemas.microsoft.com/office/drawing/2010/main" xmlns="" val="0"/>
+                <a14:useLocalDpi xmlns="" xmlns:a14="http://schemas.microsoft.com/office/drawing/2010/main" val="0"/>
               </a:ext>
             </a:extLst>
           </a:blip>
@@ -27215,7 +27542,7 @@
           <p:cNvPr id="13" name="CaixaDeTexto 12">
             <a:extLst>
               <a:ext uri="{FF2B5EF4-FFF2-40B4-BE49-F238E27FC236}">
-                <a16:creationId xmlns="" xmlns:a16="http://schemas.microsoft.com/office/drawing/2014/main" id="{C9DD5F3B-5B33-8B41-8D7F-9A81E3CF6003}"/>
+                <a16:creationId xmlns:a16="http://schemas.microsoft.com/office/drawing/2014/main" xmlns="" id="{C9DD5F3B-5B33-8B41-8D7F-9A81E3CF6003}"/>
               </a:ext>
             </a:extLst>
           </p:cNvPr>
@@ -27250,7 +27577,7 @@
     </p:spTree>
     <p:extLst>
       <p:ext uri="{BB962C8B-B14F-4D97-AF65-F5344CB8AC3E}">
-        <p14:creationId xmlns:p14="http://schemas.microsoft.com/office/powerpoint/2010/main" xmlns="" val="4253136002"/>
+        <p14:creationId xmlns="" xmlns:p14="http://schemas.microsoft.com/office/powerpoint/2010/main" val="4253136002"/>
       </p:ext>
     </p:extLst>
   </p:cSld>
@@ -27270,7 +27597,7 @@
 </p:sld>
 </file>
 
-<file path=ppt/slides/slide13.xml><?xml version="1.0" encoding="utf-8"?>
+<file path=ppt/slides/slide14.xml><?xml version="1.0" encoding="utf-8"?>
 <p:sld xmlns:a="http://schemas.openxmlformats.org/drawingml/2006/main" xmlns:r="http://schemas.openxmlformats.org/officeDocument/2006/relationships" xmlns:p="http://schemas.openxmlformats.org/presentationml/2006/main">
   <p:cSld>
     <p:spTree>
@@ -27292,7 +27619,7 @@
           <p:cNvPr id="14" name="CaixaDeTexto 13">
             <a:extLst>
               <a:ext uri="{FF2B5EF4-FFF2-40B4-BE49-F238E27FC236}">
-                <a16:creationId xmlns="" xmlns:a16="http://schemas.microsoft.com/office/drawing/2014/main" id="{C9DD5F3B-5B33-8B41-8D7F-9A81E3CF6003}"/>
+                <a16:creationId xmlns:a16="http://schemas.microsoft.com/office/drawing/2014/main" xmlns="" id="{C9DD5F3B-5B33-8B41-8D7F-9A81E3CF6003}"/>
               </a:ext>
             </a:extLst>
           </p:cNvPr>
@@ -27346,7 +27673,7 @@
           <a:blip r:embed="rId2" cstate="print">
             <a:extLst>
               <a:ext uri="{28A0092B-C50C-407E-A947-70E740481C1C}">
-                <a14:useLocalDpi xmlns:a14="http://schemas.microsoft.com/office/drawing/2010/main" xmlns="" val="0"/>
+                <a14:useLocalDpi xmlns="" xmlns:a14="http://schemas.microsoft.com/office/drawing/2010/main" val="0"/>
               </a:ext>
             </a:extLst>
           </a:blip>
@@ -27407,7 +27734,7 @@
             <a:lum bright="70000" contrast="-70000"/>
             <a:extLst>
               <a:ext uri="{28A0092B-C50C-407E-A947-70E740481C1C}">
-                <a14:useLocalDpi xmlns:a14="http://schemas.microsoft.com/office/drawing/2010/main" xmlns="" val="0"/>
+                <a14:useLocalDpi xmlns="" xmlns:a14="http://schemas.microsoft.com/office/drawing/2010/main" val="0"/>
               </a:ext>
             </a:extLst>
           </a:blip>
@@ -27430,7 +27757,7 @@
           <p:cNvPr id="12" name="CaixaDeTexto 11">
             <a:extLst>
               <a:ext uri="{FF2B5EF4-FFF2-40B4-BE49-F238E27FC236}">
-                <a16:creationId xmlns="" xmlns:a16="http://schemas.microsoft.com/office/drawing/2014/main" id="{C9DD5F3B-5B33-8B41-8D7F-9A81E3CF6003}"/>
+                <a16:creationId xmlns:a16="http://schemas.microsoft.com/office/drawing/2014/main" xmlns="" id="{C9DD5F3B-5B33-8B41-8D7F-9A81E3CF6003}"/>
               </a:ext>
             </a:extLst>
           </p:cNvPr>
@@ -27498,7 +27825,7 @@
     </p:spTree>
     <p:extLst>
       <p:ext uri="{BB962C8B-B14F-4D97-AF65-F5344CB8AC3E}">
-        <p14:creationId xmlns:p14="http://schemas.microsoft.com/office/powerpoint/2010/main" xmlns="" val="4253136002"/>
+        <p14:creationId xmlns="" xmlns:p14="http://schemas.microsoft.com/office/powerpoint/2010/main" val="4253136002"/>
       </p:ext>
     </p:extLst>
   </p:cSld>
@@ -27518,7 +27845,7 @@
 </p:sld>
 </file>
 
-<file path=ppt/slides/slide14.xml><?xml version="1.0" encoding="utf-8"?>
+<file path=ppt/slides/slide15.xml><?xml version="1.0" encoding="utf-8"?>
 <p:sld xmlns:a="http://schemas.openxmlformats.org/drawingml/2006/main" xmlns:r="http://schemas.openxmlformats.org/officeDocument/2006/relationships" xmlns:p="http://schemas.openxmlformats.org/presentationml/2006/main">
   <p:cSld>
     <p:spTree>
@@ -27540,7 +27867,7 @@
           <p:cNvPr id="14" name="CaixaDeTexto 13">
             <a:extLst>
               <a:ext uri="{FF2B5EF4-FFF2-40B4-BE49-F238E27FC236}">
-                <a16:creationId xmlns="" xmlns:a16="http://schemas.microsoft.com/office/drawing/2014/main" id="{C9DD5F3B-5B33-8B41-8D7F-9A81E3CF6003}"/>
+                <a16:creationId xmlns:a16="http://schemas.microsoft.com/office/drawing/2014/main" xmlns="" id="{C9DD5F3B-5B33-8B41-8D7F-9A81E3CF6003}"/>
               </a:ext>
             </a:extLst>
           </p:cNvPr>
@@ -27594,7 +27921,7 @@
           <a:blip r:embed="rId2" cstate="print">
             <a:extLst>
               <a:ext uri="{28A0092B-C50C-407E-A947-70E740481C1C}">
-                <a14:useLocalDpi xmlns:a14="http://schemas.microsoft.com/office/drawing/2010/main" xmlns="" val="0"/>
+                <a14:useLocalDpi xmlns="" xmlns:a14="http://schemas.microsoft.com/office/drawing/2010/main" val="0"/>
               </a:ext>
             </a:extLst>
           </a:blip>
@@ -27655,7 +27982,7 @@
             <a:lum bright="70000" contrast="-70000"/>
             <a:extLst>
               <a:ext uri="{28A0092B-C50C-407E-A947-70E740481C1C}">
-                <a14:useLocalDpi xmlns:a14="http://schemas.microsoft.com/office/drawing/2010/main" xmlns="" val="0"/>
+                <a14:useLocalDpi xmlns="" xmlns:a14="http://schemas.microsoft.com/office/drawing/2010/main" val="0"/>
               </a:ext>
             </a:extLst>
           </a:blip>
@@ -27678,7 +28005,7 @@
           <p:cNvPr id="12" name="CaixaDeTexto 11">
             <a:extLst>
               <a:ext uri="{FF2B5EF4-FFF2-40B4-BE49-F238E27FC236}">
-                <a16:creationId xmlns="" xmlns:a16="http://schemas.microsoft.com/office/drawing/2014/main" id="{C9DD5F3B-5B33-8B41-8D7F-9A81E3CF6003}"/>
+                <a16:creationId xmlns:a16="http://schemas.microsoft.com/office/drawing/2014/main" xmlns="" id="{C9DD5F3B-5B33-8B41-8D7F-9A81E3CF6003}"/>
               </a:ext>
             </a:extLst>
           </p:cNvPr>
@@ -27746,7 +28073,7 @@
     </p:spTree>
     <p:extLst>
       <p:ext uri="{BB962C8B-B14F-4D97-AF65-F5344CB8AC3E}">
-        <p14:creationId xmlns:p14="http://schemas.microsoft.com/office/powerpoint/2010/main" xmlns="" val="4253136002"/>
+        <p14:creationId xmlns="" xmlns:p14="http://schemas.microsoft.com/office/powerpoint/2010/main" val="4253136002"/>
       </p:ext>
     </p:extLst>
   </p:cSld>
@@ -27766,7 +28093,7 @@
 </p:sld>
 </file>
 
-<file path=ppt/slides/slide15.xml><?xml version="1.0" encoding="utf-8"?>
+<file path=ppt/slides/slide16.xml><?xml version="1.0" encoding="utf-8"?>
 <p:sld xmlns:a="http://schemas.openxmlformats.org/drawingml/2006/main" xmlns:r="http://schemas.openxmlformats.org/officeDocument/2006/relationships" xmlns:p="http://schemas.openxmlformats.org/presentationml/2006/main">
   <p:cSld>
     <p:spTree>
@@ -28621,7 +28948,7 @@
 </p:sld>
 </file>
 
-<file path=ppt/slides/slide16.xml><?xml version="1.0" encoding="utf-8"?>
+<file path=ppt/slides/slide17.xml><?xml version="1.0" encoding="utf-8"?>
 <p:sld xmlns:a="http://schemas.openxmlformats.org/drawingml/2006/main" xmlns:r="http://schemas.openxmlformats.org/officeDocument/2006/relationships" xmlns:p="http://schemas.openxmlformats.org/presentationml/2006/main">
   <p:cSld>
     <p:spTree>
@@ -29709,7 +30036,7 @@
 </p:sld>
 </file>
 
-<file path=ppt/slides/slide17.xml><?xml version="1.0" encoding="utf-8"?>
+<file path=ppt/slides/slide18.xml><?xml version="1.0" encoding="utf-8"?>
 <p:sld xmlns:a="http://schemas.openxmlformats.org/drawingml/2006/main" xmlns:r="http://schemas.openxmlformats.org/officeDocument/2006/relationships" xmlns:p="http://schemas.openxmlformats.org/presentationml/2006/main">
   <p:cSld>
     <p:spTree>
@@ -30421,7 +30748,7 @@
 </p:sld>
 </file>
 
-<file path=ppt/slides/slide18.xml><?xml version="1.0" encoding="utf-8"?>
+<file path=ppt/slides/slide19.xml><?xml version="1.0" encoding="utf-8"?>
 <p:sld xmlns:a="http://schemas.openxmlformats.org/drawingml/2006/main" xmlns:r="http://schemas.openxmlformats.org/officeDocument/2006/relationships" xmlns:p="http://schemas.openxmlformats.org/presentationml/2006/main">
   <p:cSld>
     <p:spTree>
@@ -30449,7 +30776,73 @@
 </p:sld>
 </file>
 
-<file path=ppt/slides/slide19.xml><?xml version="1.0" encoding="utf-8"?>
+<file path=ppt/slides/slide2.xml><?xml version="1.0" encoding="utf-8"?>
+<p:sld xmlns:a="http://schemas.openxmlformats.org/drawingml/2006/main" xmlns:r="http://schemas.openxmlformats.org/officeDocument/2006/relationships" xmlns:p="http://schemas.openxmlformats.org/presentationml/2006/main">
+  <p:cSld>
+    <p:spTree>
+      <p:nvGrpSpPr>
+        <p:cNvPr id="1" name=""/>
+        <p:cNvGrpSpPr/>
+        <p:nvPr/>
+      </p:nvGrpSpPr>
+      <p:grpSpPr>
+        <a:xfrm>
+          <a:off x="0" y="0"/>
+          <a:ext cx="0" cy="0"/>
+          <a:chOff x="0" y="0"/>
+          <a:chExt cx="0" cy="0"/>
+        </a:xfrm>
+      </p:grpSpPr>
+      <p:sp>
+        <p:nvSpPr>
+          <p:cNvPr id="2" name="Título 1"/>
+          <p:cNvSpPr>
+            <a:spLocks noGrp="1"/>
+          </p:cNvSpPr>
+          <p:nvPr>
+            <p:ph type="title"/>
+          </p:nvPr>
+        </p:nvSpPr>
+        <p:spPr/>
+        <p:txBody>
+          <a:bodyPr/>
+          <a:lstStyle/>
+          <a:p>
+            <a:endParaRPr lang="pt-BR"/>
+          </a:p>
+        </p:txBody>
+      </p:sp>
+      <p:sp>
+        <p:nvSpPr>
+          <p:cNvPr id="3" name="Espaço Reservado para Texto 2"/>
+          <p:cNvSpPr>
+            <a:spLocks noGrp="1"/>
+          </p:cNvSpPr>
+          <p:nvPr>
+            <p:ph type="body" idx="1"/>
+          </p:nvPr>
+        </p:nvSpPr>
+        <p:spPr/>
+        <p:txBody>
+          <a:bodyPr/>
+          <a:lstStyle/>
+          <a:p>
+            <a:endParaRPr lang="pt-BR"/>
+          </a:p>
+        </p:txBody>
+      </p:sp>
+    </p:spTree>
+  </p:cSld>
+  <p:clrMapOvr>
+    <a:masterClrMapping/>
+  </p:clrMapOvr>
+  <p:transition spd="slow">
+    <p:fade thruBlk="1"/>
+  </p:transition>
+</p:sld>
+</file>
+
+<file path=ppt/slides/slide20.xml><?xml version="1.0" encoding="utf-8"?>
 <p:sld xmlns:a="http://schemas.openxmlformats.org/drawingml/2006/main" xmlns:r="http://schemas.openxmlformats.org/officeDocument/2006/relationships" xmlns:p="http://schemas.openxmlformats.org/presentationml/2006/main">
   <p:cSld>
     <p:spTree>
@@ -30979,7 +31372,7 @@
 </p:sld>
 </file>
 
-<file path=ppt/slides/slide2.xml><?xml version="1.0" encoding="utf-8"?>
+<file path=ppt/slides/slide3.xml><?xml version="1.0" encoding="utf-8"?>
 <p:sld xmlns:a="http://schemas.openxmlformats.org/drawingml/2006/main" xmlns:r="http://schemas.openxmlformats.org/officeDocument/2006/relationships" xmlns:p="http://schemas.openxmlformats.org/presentationml/2006/main">
   <p:cSld>
     <p:spTree>
@@ -31437,7 +31830,7 @@
 </p:sld>
 </file>
 
-<file path=ppt/slides/slide3.xml><?xml version="1.0" encoding="utf-8"?>
+<file path=ppt/slides/slide4.xml><?xml version="1.0" encoding="utf-8"?>
 <p:sld xmlns:a="http://schemas.openxmlformats.org/drawingml/2006/main" xmlns:r="http://schemas.openxmlformats.org/officeDocument/2006/relationships" xmlns:p="http://schemas.openxmlformats.org/presentationml/2006/main">
   <p:cSld>
     <p:spTree>
@@ -31747,7 +32140,7 @@
 </p:sld>
 </file>
 
-<file path=ppt/slides/slide4.xml><?xml version="1.0" encoding="utf-8"?>
+<file path=ppt/slides/slide5.xml><?xml version="1.0" encoding="utf-8"?>
 <p:sld xmlns:a="http://schemas.openxmlformats.org/drawingml/2006/main" xmlns:r="http://schemas.openxmlformats.org/officeDocument/2006/relationships" xmlns:p="http://schemas.openxmlformats.org/presentationml/2006/main">
   <p:cSld>
     <p:spTree>
@@ -32220,7 +32613,7 @@
 </p:sld>
 </file>
 
-<file path=ppt/slides/slide5.xml><?xml version="1.0" encoding="utf-8"?>
+<file path=ppt/slides/slide6.xml><?xml version="1.0" encoding="utf-8"?>
 <p:sld xmlns:a="http://schemas.openxmlformats.org/drawingml/2006/main" xmlns:r="http://schemas.openxmlformats.org/officeDocument/2006/relationships" xmlns:p="http://schemas.openxmlformats.org/presentationml/2006/main">
   <p:cSld>
     <p:spTree>
@@ -32689,7 +33082,7 @@
 </p:sld>
 </file>
 
-<file path=ppt/slides/slide6.xml><?xml version="1.0" encoding="utf-8"?>
+<file path=ppt/slides/slide7.xml><?xml version="1.0" encoding="utf-8"?>
 <p:sld xmlns:a="http://schemas.openxmlformats.org/drawingml/2006/main" xmlns:r="http://schemas.openxmlformats.org/officeDocument/2006/relationships" xmlns:p="http://schemas.openxmlformats.org/presentationml/2006/main">
   <p:cSld>
     <p:spTree>
@@ -33228,7 +33621,7 @@
 </p:sld>
 </file>
 
-<file path=ppt/slides/slide7.xml><?xml version="1.0" encoding="utf-8"?>
+<file path=ppt/slides/slide8.xml><?xml version="1.0" encoding="utf-8"?>
 <p:sld xmlns:a="http://schemas.openxmlformats.org/drawingml/2006/main" xmlns:r="http://schemas.openxmlformats.org/officeDocument/2006/relationships" xmlns:p="http://schemas.openxmlformats.org/presentationml/2006/main">
   <p:cSld>
     <p:spTree>
@@ -33257,7 +33650,7 @@
           <a:blip r:embed="rId2" cstate="print">
             <a:extLst>
               <a:ext uri="{28A0092B-C50C-407E-A947-70E740481C1C}">
-                <a14:useLocalDpi xmlns:a14="http://schemas.microsoft.com/office/drawing/2010/main" xmlns="" val="0"/>
+                <a14:useLocalDpi xmlns="" xmlns:a14="http://schemas.microsoft.com/office/drawing/2010/main" val="0"/>
               </a:ext>
             </a:extLst>
           </a:blip>
@@ -33318,7 +33711,7 @@
             <a:lum bright="70000" contrast="-70000"/>
             <a:extLst>
               <a:ext uri="{28A0092B-C50C-407E-A947-70E740481C1C}">
-                <a14:useLocalDpi xmlns:a14="http://schemas.microsoft.com/office/drawing/2010/main" xmlns="" val="0"/>
+                <a14:useLocalDpi xmlns="" xmlns:a14="http://schemas.microsoft.com/office/drawing/2010/main" val="0"/>
               </a:ext>
             </a:extLst>
           </a:blip>
@@ -33341,7 +33734,7 @@
           <p:cNvPr id="14" name="CaixaDeTexto 13">
             <a:extLst>
               <a:ext uri="{FF2B5EF4-FFF2-40B4-BE49-F238E27FC236}">
-                <a16:creationId xmlns="" xmlns:a16="http://schemas.microsoft.com/office/drawing/2014/main" id="{C9DD5F3B-5B33-8B41-8D7F-9A81E3CF6003}"/>
+                <a16:creationId xmlns:a16="http://schemas.microsoft.com/office/drawing/2014/main" xmlns="" id="{C9DD5F3B-5B33-8B41-8D7F-9A81E3CF6003}"/>
               </a:ext>
             </a:extLst>
           </p:cNvPr>
@@ -33475,7 +33868,7 @@
     </p:spTree>
     <p:extLst>
       <p:ext uri="{BB962C8B-B14F-4D97-AF65-F5344CB8AC3E}">
-        <p14:creationId xmlns:p14="http://schemas.microsoft.com/office/powerpoint/2010/main" xmlns="" val="4253136002"/>
+        <p14:creationId xmlns="" xmlns:p14="http://schemas.microsoft.com/office/powerpoint/2010/main" val="4253136002"/>
       </p:ext>
     </p:extLst>
   </p:cSld>
@@ -33495,7 +33888,7 @@
 </p:sld>
 </file>
 
-<file path=ppt/slides/slide8.xml><?xml version="1.0" encoding="utf-8"?>
+<file path=ppt/slides/slide9.xml><?xml version="1.0" encoding="utf-8"?>
 <p:sld xmlns:a="http://schemas.openxmlformats.org/drawingml/2006/main" xmlns:r="http://schemas.openxmlformats.org/officeDocument/2006/relationships" xmlns:p="http://schemas.openxmlformats.org/presentationml/2006/main">
   <p:cSld>
     <p:spTree>
@@ -33517,7 +33910,7 @@
           <p:cNvPr id="14" name="CaixaDeTexto 13">
             <a:extLst>
               <a:ext uri="{FF2B5EF4-FFF2-40B4-BE49-F238E27FC236}">
-                <a16:creationId xmlns="" xmlns:a16="http://schemas.microsoft.com/office/drawing/2014/main" id="{C9DD5F3B-5B33-8B41-8D7F-9A81E3CF6003}"/>
+                <a16:creationId xmlns:a16="http://schemas.microsoft.com/office/drawing/2014/main" xmlns="" id="{C9DD5F3B-5B33-8B41-8D7F-9A81E3CF6003}"/>
               </a:ext>
             </a:extLst>
           </p:cNvPr>
@@ -33692,7 +34085,7 @@
           <a:blip r:embed="rId2" cstate="print">
             <a:extLst>
               <a:ext uri="{28A0092B-C50C-407E-A947-70E740481C1C}">
-                <a14:useLocalDpi xmlns:a14="http://schemas.microsoft.com/office/drawing/2010/main" xmlns="" val="0"/>
+                <a14:useLocalDpi xmlns="" xmlns:a14="http://schemas.microsoft.com/office/drawing/2010/main" val="0"/>
               </a:ext>
             </a:extLst>
           </a:blip>
@@ -33753,7 +34146,7 @@
             <a:lum bright="70000" contrast="-70000"/>
             <a:extLst>
               <a:ext uri="{28A0092B-C50C-407E-A947-70E740481C1C}">
-                <a14:useLocalDpi xmlns:a14="http://schemas.microsoft.com/office/drawing/2010/main" xmlns="" val="0"/>
+                <a14:useLocalDpi xmlns="" xmlns:a14="http://schemas.microsoft.com/office/drawing/2010/main" val="0"/>
               </a:ext>
             </a:extLst>
           </a:blip>
@@ -33774,333 +34167,7 @@
     </p:spTree>
     <p:extLst>
       <p:ext uri="{BB962C8B-B14F-4D97-AF65-F5344CB8AC3E}">
-        <p14:creationId xmlns:p14="http://schemas.microsoft.com/office/powerpoint/2010/main" xmlns="" val="1598652136"/>
-      </p:ext>
-    </p:extLst>
-  </p:cSld>
-  <p:clrMapOvr>
-    <a:masterClrMapping/>
-  </p:clrMapOvr>
-  <p:transition spd="slow">
-    <p:fade thruBlk="1"/>
-  </p:transition>
-  <p:timing>
-    <p:tnLst>
-      <p:par>
-        <p:cTn id="1" dur="indefinite" restart="never" nodeType="tmRoot"/>
-      </p:par>
-    </p:tnLst>
-  </p:timing>
-</p:sld>
-</file>
-
-<file path=ppt/slides/slide9.xml><?xml version="1.0" encoding="utf-8"?>
-<p:sld xmlns:a="http://schemas.openxmlformats.org/drawingml/2006/main" xmlns:r="http://schemas.openxmlformats.org/officeDocument/2006/relationships" xmlns:p="http://schemas.openxmlformats.org/presentationml/2006/main">
-  <p:cSld>
-    <p:spTree>
-      <p:nvGrpSpPr>
-        <p:cNvPr id="1" name=""/>
-        <p:cNvGrpSpPr/>
-        <p:nvPr/>
-      </p:nvGrpSpPr>
-      <p:grpSpPr>
-        <a:xfrm>
-          <a:off x="0" y="0"/>
-          <a:ext cx="0" cy="0"/>
-          <a:chOff x="0" y="0"/>
-          <a:chExt cx="0" cy="0"/>
-        </a:xfrm>
-      </p:grpSpPr>
-      <p:sp>
-        <p:nvSpPr>
-          <p:cNvPr id="14" name="CaixaDeTexto 13">
-            <a:extLst>
-              <a:ext uri="{FF2B5EF4-FFF2-40B4-BE49-F238E27FC236}">
-                <a16:creationId xmlns="" xmlns:a16="http://schemas.microsoft.com/office/drawing/2014/main" id="{C9DD5F3B-5B33-8B41-8D7F-9A81E3CF6003}"/>
-              </a:ext>
-            </a:extLst>
-          </p:cNvPr>
-          <p:cNvSpPr txBox="1"/>
-          <p:nvPr/>
-        </p:nvSpPr>
-        <p:spPr>
-          <a:xfrm>
-            <a:off x="347445" y="980728"/>
-            <a:ext cx="8488726" cy="4647426"/>
-          </a:xfrm>
-          <a:prstGeom prst="rect">
-            <a:avLst/>
-          </a:prstGeom>
-          <a:noFill/>
-        </p:spPr>
-        <p:txBody>
-          <a:bodyPr wrap="square" rtlCol="0">
-            <a:spAutoFit/>
-          </a:bodyPr>
-          <a:lstStyle/>
-          <a:p>
-            <a:pPr algn="l"/>
-            <a:r>
-              <a:rPr lang="pt-BR" sz="2400" b="1" dirty="0" smtClean="0">
-                <a:latin typeface="Arial" panose="020B0604020202020204" pitchFamily="34" charset="0"/>
-                <a:cs typeface="Arial" panose="020B0604020202020204" pitchFamily="34" charset="0"/>
-              </a:rPr>
-              <a:t>Estudo de Viabilidade</a:t>
-            </a:r>
-          </a:p>
-          <a:p>
-            <a:pPr algn="l"/>
-            <a:endParaRPr lang="pt-BR" sz="2400" b="1" dirty="0" smtClean="0">
-              <a:latin typeface="Arial" panose="020B0604020202020204" pitchFamily="34" charset="0"/>
-              <a:cs typeface="Arial" panose="020B0604020202020204" pitchFamily="34" charset="0"/>
-            </a:endParaRPr>
-          </a:p>
-          <a:p>
-            <a:pPr algn="l"/>
-            <a:endParaRPr lang="pt-BR" sz="2400" b="1" dirty="0" smtClean="0">
-              <a:latin typeface="Arial" panose="020B0604020202020204" pitchFamily="34" charset="0"/>
-              <a:cs typeface="Arial" panose="020B0604020202020204" pitchFamily="34" charset="0"/>
-            </a:endParaRPr>
-          </a:p>
-          <a:p>
-            <a:pPr lvl="0" eaLnBrk="0" fontAlgn="base" hangingPunct="0">
-              <a:spcBef>
-                <a:spcPct val="0"/>
-              </a:spcBef>
-              <a:spcAft>
-                <a:spcPct val="0"/>
-              </a:spcAft>
-            </a:pPr>
-            <a:r>
-              <a:rPr lang="pt-BR" altLang="pt-BR" sz="2000" b="1" dirty="0" err="1" smtClean="0">
-                <a:solidFill>
-                  <a:srgbClr val="252525"/>
-                </a:solidFill>
-                <a:latin typeface="Calibri" panose="020F0502020204030204" pitchFamily="34" charset="0"/>
-                <a:ea typeface="Times New Roman" panose="02020603050405020304" pitchFamily="18" charset="0"/>
-                <a:cs typeface="Calibri" panose="020F0502020204030204" pitchFamily="34" charset="0"/>
-              </a:rPr>
-              <a:t>Payback</a:t>
-            </a:r>
-            <a:r>
-              <a:rPr lang="pt-BR" altLang="pt-BR" sz="2000" dirty="0" smtClean="0">
-                <a:solidFill>
-                  <a:srgbClr val="252525"/>
-                </a:solidFill>
-                <a:latin typeface="Calibri" panose="020F0502020204030204" pitchFamily="34" charset="0"/>
-                <a:ea typeface="Times New Roman" panose="02020603050405020304" pitchFamily="18" charset="0"/>
-                <a:cs typeface="Calibri" panose="020F0502020204030204" pitchFamily="34" charset="0"/>
-              </a:rPr>
-              <a:t>:</a:t>
-            </a:r>
-          </a:p>
-          <a:p>
-            <a:pPr lvl="0" eaLnBrk="0" fontAlgn="base" hangingPunct="0">
-              <a:spcBef>
-                <a:spcPct val="0"/>
-              </a:spcBef>
-              <a:spcAft>
-                <a:spcPct val="0"/>
-              </a:spcAft>
-            </a:pPr>
-            <a:endParaRPr lang="pt-BR" altLang="pt-BR" sz="2000" dirty="0" smtClean="0">
-              <a:solidFill>
-                <a:srgbClr val="252525"/>
-              </a:solidFill>
-              <a:latin typeface="Calibri" panose="020F0502020204030204" pitchFamily="34" charset="0"/>
-              <a:ea typeface="Times New Roman" panose="02020603050405020304" pitchFamily="18" charset="0"/>
-              <a:cs typeface="Calibri" panose="020F0502020204030204" pitchFamily="34" charset="0"/>
-            </a:endParaRPr>
-          </a:p>
-          <a:p>
-            <a:pPr lvl="0" eaLnBrk="0" fontAlgn="base" hangingPunct="0">
-              <a:spcBef>
-                <a:spcPct val="0"/>
-              </a:spcBef>
-              <a:spcAft>
-                <a:spcPct val="0"/>
-              </a:spcAft>
-            </a:pPr>
-            <a:r>
-              <a:rPr lang="pt-BR" sz="2000" dirty="0" smtClean="0"/>
-              <a:t>Investimento Inicial: R$ 390.640,00</a:t>
-            </a:r>
-          </a:p>
-          <a:p>
-            <a:pPr lvl="0" eaLnBrk="0" fontAlgn="base" hangingPunct="0">
-              <a:spcBef>
-                <a:spcPct val="0"/>
-              </a:spcBef>
-              <a:spcAft>
-                <a:spcPct val="0"/>
-              </a:spcAft>
-            </a:pPr>
-            <a:endParaRPr lang="pt-BR" sz="2000" dirty="0" smtClean="0"/>
-          </a:p>
-          <a:p>
-            <a:pPr lvl="0" eaLnBrk="0" fontAlgn="base" hangingPunct="0">
-              <a:spcBef>
-                <a:spcPct val="0"/>
-              </a:spcBef>
-              <a:spcAft>
-                <a:spcPct val="0"/>
-              </a:spcAft>
-            </a:pPr>
-            <a:r>
-              <a:rPr lang="pt-BR" sz="2000" dirty="0" smtClean="0"/>
-              <a:t>Entrada de caixa = R$10.000 ao mês = R$120.000/ingresso anual total </a:t>
-            </a:r>
-          </a:p>
-          <a:p>
-            <a:pPr lvl="0" eaLnBrk="0" fontAlgn="base" hangingPunct="0">
-              <a:spcBef>
-                <a:spcPct val="0"/>
-              </a:spcBef>
-              <a:spcAft>
-                <a:spcPct val="0"/>
-              </a:spcAft>
-            </a:pPr>
-            <a:endParaRPr lang="pt-BR" sz="2000" dirty="0" smtClean="0"/>
-          </a:p>
-          <a:p>
-            <a:pPr lvl="0" eaLnBrk="0" fontAlgn="base" hangingPunct="0">
-              <a:spcBef>
-                <a:spcPct val="0"/>
-              </a:spcBef>
-              <a:spcAft>
-                <a:spcPct val="0"/>
-              </a:spcAft>
-            </a:pPr>
-            <a:r>
-              <a:rPr lang="pt-BR" sz="2000" dirty="0" smtClean="0"/>
-              <a:t>O retorno do investimento é obtido em </a:t>
-            </a:r>
-            <a:r>
-              <a:rPr lang="pt-BR" sz="2000" b="1" dirty="0" smtClean="0"/>
-              <a:t>3 anos</a:t>
-            </a:r>
-            <a:r>
-              <a:rPr lang="pt-BR" sz="2000" dirty="0" smtClean="0"/>
-              <a:t> e </a:t>
-            </a:r>
-            <a:r>
-              <a:rPr lang="pt-BR" sz="2000" b="1" dirty="0" smtClean="0"/>
-              <a:t>4 meses</a:t>
-            </a:r>
-            <a:r>
-              <a:rPr lang="pt-BR" sz="2000" dirty="0" smtClean="0"/>
-              <a:t>.</a:t>
-            </a:r>
-            <a:endParaRPr lang="pt-BR" altLang="pt-BR" sz="2000" dirty="0">
-              <a:ea typeface="Times New Roman" panose="02020603050405020304" pitchFamily="18" charset="0"/>
-            </a:endParaRPr>
-          </a:p>
-          <a:p>
-            <a:endParaRPr lang="pt-BR" sz="2800" dirty="0" smtClean="0"/>
-          </a:p>
-          <a:p>
-            <a:endParaRPr lang="pt-BR" sz="2800" dirty="0" smtClean="0"/>
-          </a:p>
-          <a:p>
-            <a:endParaRPr lang="pt-BR" sz="2800" dirty="0"/>
-          </a:p>
-        </p:txBody>
-      </p:sp>
-      <p:pic>
-        <p:nvPicPr>
-          <p:cNvPr id="8" name="Imagem 7"/>
-          <p:cNvPicPr>
-            <a:picLocks noChangeAspect="1"/>
-          </p:cNvPicPr>
-          <p:nvPr/>
-        </p:nvPicPr>
-        <p:blipFill>
-          <a:blip r:embed="rId2" cstate="print">
-            <a:extLst>
-              <a:ext uri="{28A0092B-C50C-407E-A947-70E740481C1C}">
-                <a14:useLocalDpi xmlns:a14="http://schemas.microsoft.com/office/drawing/2010/main" xmlns="" val="0"/>
-              </a:ext>
-            </a:extLst>
-          </a:blip>
-          <a:stretch>
-            <a:fillRect/>
-          </a:stretch>
-        </p:blipFill>
-        <p:spPr>
-          <a:xfrm>
-            <a:off x="142845" y="0"/>
-            <a:ext cx="2214578" cy="851761"/>
-          </a:xfrm>
-          <a:prstGeom prst="rect">
-            <a:avLst/>
-          </a:prstGeom>
-        </p:spPr>
-      </p:pic>
-      <p:cxnSp>
-        <p:nvCxnSpPr>
-          <p:cNvPr id="9" name="Conector reto 8"/>
-          <p:cNvCxnSpPr/>
-          <p:nvPr/>
-        </p:nvCxnSpPr>
-        <p:spPr>
-          <a:xfrm>
-            <a:off x="142844" y="829862"/>
-            <a:ext cx="8678768" cy="19380"/>
-          </a:xfrm>
-          <a:prstGeom prst="line">
-            <a:avLst/>
-          </a:prstGeom>
-        </p:spPr>
-        <p:style>
-          <a:lnRef idx="1">
-            <a:schemeClr val="accent1"/>
-          </a:lnRef>
-          <a:fillRef idx="0">
-            <a:schemeClr val="accent1"/>
-          </a:fillRef>
-          <a:effectRef idx="0">
-            <a:schemeClr val="accent1"/>
-          </a:effectRef>
-          <a:fontRef idx="minor">
-            <a:schemeClr val="tx1"/>
-          </a:fontRef>
-        </p:style>
-      </p:cxnSp>
-      <p:pic>
-        <p:nvPicPr>
-          <p:cNvPr id="10" name="Imagem 9"/>
-          <p:cNvPicPr>
-            <a:picLocks noChangeAspect="1"/>
-          </p:cNvPicPr>
-          <p:nvPr/>
-        </p:nvPicPr>
-        <p:blipFill>
-          <a:blip r:embed="rId3">
-            <a:lum bright="70000" contrast="-70000"/>
-            <a:extLst>
-              <a:ext uri="{28A0092B-C50C-407E-A947-70E740481C1C}">
-                <a14:useLocalDpi xmlns:a14="http://schemas.microsoft.com/office/drawing/2010/main" xmlns="" val="0"/>
-              </a:ext>
-            </a:extLst>
-          </a:blip>
-          <a:stretch>
-            <a:fillRect/>
-          </a:stretch>
-        </p:blipFill>
-        <p:spPr>
-          <a:xfrm>
-            <a:off x="6883847" y="5229200"/>
-            <a:ext cx="2233500" cy="1595162"/>
-          </a:xfrm>
-          <a:prstGeom prst="rect">
-            <a:avLst/>
-          </a:prstGeom>
-        </p:spPr>
-      </p:pic>
-    </p:spTree>
-    <p:extLst>
-      <p:ext uri="{BB962C8B-B14F-4D97-AF65-F5344CB8AC3E}">
-        <p14:creationId xmlns:p14="http://schemas.microsoft.com/office/powerpoint/2010/main" xmlns="" val="3527767331"/>
+        <p14:creationId xmlns="" xmlns:p14="http://schemas.microsoft.com/office/powerpoint/2010/main" val="1598652136"/>
       </p:ext>
     </p:extLst>
   </p:cSld>
